--- a/gathering some decent-ish data on police shootings.pptx
+++ b/gathering some decent-ish data on police shootings.pptx
@@ -4520,6 +4520,44 @@
             </a:r>
           </a:p>
           <a:p>
+            <a:pPr marL="0" indent="0">
+              <a:buNone/>
+            </a:pPr>
+            <a:endParaRPr lang="en-US" dirty="0"/>
+          </a:p>
+          <a:p>
+            <a:pPr marL="0" indent="0">
+              <a:buNone/>
+            </a:pPr>
+            <a:r>
+              <a:rPr lang="en-US" dirty="0" smtClean="0"/>
+              <a:t>Find code and this presentation on </a:t>
+            </a:r>
+            <a:r>
+              <a:rPr lang="en-US" dirty="0" err="1" smtClean="0"/>
+              <a:t>Github</a:t>
+            </a:r>
+            <a:r>
+              <a:rPr lang="en-US" dirty="0" smtClean="0"/>
+              <a:t>:</a:t>
+            </a:r>
+          </a:p>
+          <a:p>
+            <a:pPr marL="0" indent="0">
+              <a:buNone/>
+            </a:pPr>
+            <a:r>
+              <a:rPr lang="en-US" smtClean="0">
+                <a:hlinkClick r:id="rId2"/>
+              </a:rPr>
+              <a:t>https://github.com/nateGir/policeShootings</a:t>
+            </a:r>
+            <a:endParaRPr lang="en-US" smtClean="0"/>
+          </a:p>
+          <a:p>
+            <a:pPr marL="0" indent="0">
+              <a:buNone/>
+            </a:pPr>
             <a:endParaRPr lang="en-US" dirty="0"/>
           </a:p>
         </p:txBody>

--- a/gathering some decent-ish data on police shootings.pptx
+++ b/gathering some decent-ish data on police shootings.pptx
@@ -118,6 +118,11 @@
       </a:defRPr>
     </a:lvl9pPr>
   </p:defaultTextStyle>
+  <p:extLst>
+    <p:ext uri="{EFAFB233-063F-42B5-8137-9DF3F51BA10A}">
+      <p15:sldGuideLst xmlns:p15="http://schemas.microsoft.com/office/powerpoint/2012/main"/>
+    </p:ext>
+  </p:extLst>
 </p:presentation>
 </file>
 
@@ -3799,21 +3804,12 @@
             </a:r>
             <a:r>
               <a:rPr lang="es-ES" sz="3600" dirty="0" smtClean="0"/>
-              <a:t>     1.401460 </a:t>
-            </a:r>
-            <a:r>
-              <a:rPr lang="es-ES" sz="3600" dirty="0" smtClean="0">
-                <a:sym typeface="Wingdings" panose="05000000000000000000" pitchFamily="2" charset="2"/>
-              </a:rPr>
-              <a:t> 68 </a:t>
-            </a:r>
-            <a:r>
-              <a:rPr lang="es-ES" sz="3600" dirty="0" err="1" smtClean="0">
-                <a:sym typeface="Wingdings" panose="05000000000000000000" pitchFamily="2" charset="2"/>
-              </a:rPr>
-              <a:t>correct</a:t>
-            </a:r>
-            <a:endParaRPr lang="es-ES" sz="3600" dirty="0" smtClean="0"/>
+              <a:t>     </a:t>
+            </a:r>
+            <a:r>
+              <a:rPr lang="es-ES" sz="3600" dirty="0" smtClean="0"/>
+              <a:t>1.401460</a:t>
+            </a:r>
           </a:p>
           <a:p>
             <a:r>
@@ -3821,20 +3817,8 @@
               <a:t>lr_error</a:t>
             </a:r>
             <a:r>
-              <a:rPr lang="es-ES" sz="3600" dirty="0" smtClean="0"/>
-              <a:t>     1.259124 </a:t>
-            </a:r>
-            <a:r>
-              <a:rPr lang="es-ES" sz="3600" dirty="0" smtClean="0">
-                <a:sym typeface="Wingdings" panose="05000000000000000000" pitchFamily="2" charset="2"/>
-              </a:rPr>
-              <a:t> 71 </a:t>
-            </a:r>
-            <a:r>
-              <a:rPr lang="es-ES" sz="3600" dirty="0" err="1" smtClean="0">
-                <a:sym typeface="Wingdings" panose="05000000000000000000" pitchFamily="2" charset="2"/>
-              </a:rPr>
-              <a:t>correct</a:t>
+              <a:rPr lang="es-ES" sz="3600" smtClean="0"/>
+              <a:t>     1.259124</a:t>
             </a:r>
             <a:endParaRPr lang="es-ES" sz="3600" dirty="0" smtClean="0"/>
           </a:p>
@@ -3845,19 +3829,11 @@
             </a:r>
             <a:r>
               <a:rPr lang="es-ES" sz="3600" dirty="0" smtClean="0"/>
-              <a:t>    1.467153 </a:t>
-            </a:r>
-            <a:r>
-              <a:rPr lang="es-ES" sz="3600" dirty="0" smtClean="0">
-                <a:sym typeface="Wingdings" panose="05000000000000000000" pitchFamily="2" charset="2"/>
-              </a:rPr>
-              <a:t> 59 </a:t>
-            </a:r>
-            <a:r>
-              <a:rPr lang="es-ES" sz="3600" dirty="0" err="1" smtClean="0">
-                <a:sym typeface="Wingdings" panose="05000000000000000000" pitchFamily="2" charset="2"/>
-              </a:rPr>
-              <a:t>correct</a:t>
+              <a:t>    </a:t>
+            </a:r>
+            <a:r>
+              <a:rPr lang="es-ES" sz="3600" dirty="0" smtClean="0"/>
+              <a:t>1.467153</a:t>
             </a:r>
             <a:endParaRPr lang="es-ES" sz="3600" dirty="0" smtClean="0"/>
           </a:p>
@@ -3868,19 +3844,11 @@
             </a:r>
             <a:r>
               <a:rPr lang="es-ES" sz="3600" dirty="0" smtClean="0"/>
-              <a:t>    1.256691 </a:t>
-            </a:r>
-            <a:r>
-              <a:rPr lang="es-ES" sz="3600" dirty="0" smtClean="0">
-                <a:sym typeface="Wingdings" panose="05000000000000000000" pitchFamily="2" charset="2"/>
-              </a:rPr>
-              <a:t> 54 </a:t>
-            </a:r>
-            <a:r>
-              <a:rPr lang="es-ES" sz="3600" dirty="0" err="1" smtClean="0">
-                <a:sym typeface="Wingdings" panose="05000000000000000000" pitchFamily="2" charset="2"/>
-              </a:rPr>
-              <a:t>correct</a:t>
+              <a:t>    </a:t>
+            </a:r>
+            <a:r>
+              <a:rPr lang="es-ES" sz="3600" dirty="0" smtClean="0"/>
+              <a:t>1.256691</a:t>
             </a:r>
             <a:endParaRPr lang="en-US" sz="3600" dirty="0"/>
           </a:p>
